--- a/nlp.pptx
+++ b/nlp.pptx
@@ -108,6 +108,11 @@
       </a:defRPr>
     </a:lvl9pPr>
   </p:defaultTextStyle>
+  <p:extLst>
+    <p:ext uri="{EFAFB233-063F-42B5-8137-9DF3F51BA10A}">
+      <p15:sldGuideLst xmlns:p15="http://schemas.microsoft.com/office/powerpoint/2012/main"/>
+    </p:ext>
+  </p:extLst>
 </p:presentation>
 </file>
 
@@ -153,10 +158,9 @@
           </a:lstStyle>
           <a:p>
             <a:r>
-              <a:rPr lang="zh-TW" altLang="en-US" smtClean="0"/>
+              <a:rPr lang="zh-TW" altLang="en-US"/>
               <a:t>按一下以編輯母片標題樣式</a:t>
             </a:r>
-            <a:endParaRPr lang="zh-TW" altLang="en-US"/>
           </a:p>
         </p:txBody>
       </p:sp>
@@ -218,10 +222,9 @@
           </a:lstStyle>
           <a:p>
             <a:r>
-              <a:rPr lang="zh-TW" altLang="en-US" smtClean="0"/>
+              <a:rPr lang="zh-TW" altLang="en-US"/>
               <a:t>按一下以編輯母片副標題樣式</a:t>
             </a:r>
-            <a:endParaRPr lang="zh-TW" altLang="en-US"/>
           </a:p>
         </p:txBody>
       </p:sp>
@@ -242,7 +245,7 @@
           <a:p>
             <a:fld id="{29A84165-A907-429C-B491-89C4CAC65B52}" type="datetimeFigureOut">
               <a:rPr lang="zh-TW" altLang="en-US" smtClean="0"/>
-              <a:t>2019/7/9</a:t>
+              <a:t>2019/11/10</a:t>
             </a:fld>
             <a:endParaRPr lang="zh-TW" altLang="en-US"/>
           </a:p>
@@ -336,10 +339,9 @@
           <a:lstStyle/>
           <a:p>
             <a:r>
-              <a:rPr lang="zh-TW" altLang="en-US" smtClean="0"/>
+              <a:rPr lang="zh-TW" altLang="en-US"/>
               <a:t>按一下以編輯母片標題樣式</a:t>
             </a:r>
-            <a:endParaRPr lang="zh-TW" altLang="en-US"/>
           </a:p>
         </p:txBody>
       </p:sp>
@@ -360,38 +362,37 @@
           <a:p>
             <a:pPr lvl="0"/>
             <a:r>
-              <a:rPr lang="zh-TW" altLang="en-US" smtClean="0"/>
+              <a:rPr lang="zh-TW" altLang="en-US"/>
               <a:t>編輯母片文字樣式</a:t>
             </a:r>
           </a:p>
           <a:p>
             <a:pPr lvl="1"/>
             <a:r>
-              <a:rPr lang="zh-TW" altLang="en-US" smtClean="0"/>
+              <a:rPr lang="zh-TW" altLang="en-US"/>
               <a:t>第二層</a:t>
             </a:r>
           </a:p>
           <a:p>
             <a:pPr lvl="2"/>
             <a:r>
-              <a:rPr lang="zh-TW" altLang="en-US" smtClean="0"/>
+              <a:rPr lang="zh-TW" altLang="en-US"/>
               <a:t>第三層</a:t>
             </a:r>
           </a:p>
           <a:p>
             <a:pPr lvl="3"/>
             <a:r>
-              <a:rPr lang="zh-TW" altLang="en-US" smtClean="0"/>
+              <a:rPr lang="zh-TW" altLang="en-US"/>
               <a:t>第四層</a:t>
             </a:r>
           </a:p>
           <a:p>
             <a:pPr lvl="4"/>
             <a:r>
-              <a:rPr lang="zh-TW" altLang="en-US" smtClean="0"/>
+              <a:rPr lang="zh-TW" altLang="en-US"/>
               <a:t>第五層</a:t>
             </a:r>
-            <a:endParaRPr lang="zh-TW" altLang="en-US"/>
           </a:p>
         </p:txBody>
       </p:sp>
@@ -412,7 +413,7 @@
           <a:p>
             <a:fld id="{29A84165-A907-429C-B491-89C4CAC65B52}" type="datetimeFigureOut">
               <a:rPr lang="zh-TW" altLang="en-US" smtClean="0"/>
-              <a:t>2019/7/9</a:t>
+              <a:t>2019/11/10</a:t>
             </a:fld>
             <a:endParaRPr lang="zh-TW" altLang="en-US"/>
           </a:p>
@@ -511,10 +512,9 @@
           <a:lstStyle/>
           <a:p>
             <a:r>
-              <a:rPr lang="zh-TW" altLang="en-US" smtClean="0"/>
+              <a:rPr lang="zh-TW" altLang="en-US"/>
               <a:t>按一下以編輯母片標題樣式</a:t>
             </a:r>
-            <a:endParaRPr lang="zh-TW" altLang="en-US"/>
           </a:p>
         </p:txBody>
       </p:sp>
@@ -540,38 +540,37 @@
           <a:p>
             <a:pPr lvl="0"/>
             <a:r>
-              <a:rPr lang="zh-TW" altLang="en-US" smtClean="0"/>
+              <a:rPr lang="zh-TW" altLang="en-US"/>
               <a:t>編輯母片文字樣式</a:t>
             </a:r>
           </a:p>
           <a:p>
             <a:pPr lvl="1"/>
             <a:r>
-              <a:rPr lang="zh-TW" altLang="en-US" smtClean="0"/>
+              <a:rPr lang="zh-TW" altLang="en-US"/>
               <a:t>第二層</a:t>
             </a:r>
           </a:p>
           <a:p>
             <a:pPr lvl="2"/>
             <a:r>
-              <a:rPr lang="zh-TW" altLang="en-US" smtClean="0"/>
+              <a:rPr lang="zh-TW" altLang="en-US"/>
               <a:t>第三層</a:t>
             </a:r>
           </a:p>
           <a:p>
             <a:pPr lvl="3"/>
             <a:r>
-              <a:rPr lang="zh-TW" altLang="en-US" smtClean="0"/>
+              <a:rPr lang="zh-TW" altLang="en-US"/>
               <a:t>第四層</a:t>
             </a:r>
           </a:p>
           <a:p>
             <a:pPr lvl="4"/>
             <a:r>
-              <a:rPr lang="zh-TW" altLang="en-US" smtClean="0"/>
+              <a:rPr lang="zh-TW" altLang="en-US"/>
               <a:t>第五層</a:t>
             </a:r>
-            <a:endParaRPr lang="zh-TW" altLang="en-US"/>
           </a:p>
         </p:txBody>
       </p:sp>
@@ -592,7 +591,7 @@
           <a:p>
             <a:fld id="{29A84165-A907-429C-B491-89C4CAC65B52}" type="datetimeFigureOut">
               <a:rPr lang="zh-TW" altLang="en-US" smtClean="0"/>
-              <a:t>2019/7/9</a:t>
+              <a:t>2019/11/10</a:t>
             </a:fld>
             <a:endParaRPr lang="zh-TW" altLang="en-US"/>
           </a:p>
@@ -686,10 +685,9 @@
           <a:lstStyle/>
           <a:p>
             <a:r>
-              <a:rPr lang="zh-TW" altLang="en-US" smtClean="0"/>
+              <a:rPr lang="zh-TW" altLang="en-US"/>
               <a:t>按一下以編輯母片標題樣式</a:t>
             </a:r>
-            <a:endParaRPr lang="zh-TW" altLang="en-US"/>
           </a:p>
         </p:txBody>
       </p:sp>
@@ -710,38 +708,37 @@
           <a:p>
             <a:pPr lvl="0"/>
             <a:r>
-              <a:rPr lang="zh-TW" altLang="en-US" smtClean="0"/>
+              <a:rPr lang="zh-TW" altLang="en-US"/>
               <a:t>編輯母片文字樣式</a:t>
             </a:r>
           </a:p>
           <a:p>
             <a:pPr lvl="1"/>
             <a:r>
-              <a:rPr lang="zh-TW" altLang="en-US" smtClean="0"/>
+              <a:rPr lang="zh-TW" altLang="en-US"/>
               <a:t>第二層</a:t>
             </a:r>
           </a:p>
           <a:p>
             <a:pPr lvl="2"/>
             <a:r>
-              <a:rPr lang="zh-TW" altLang="en-US" smtClean="0"/>
+              <a:rPr lang="zh-TW" altLang="en-US"/>
               <a:t>第三層</a:t>
             </a:r>
           </a:p>
           <a:p>
             <a:pPr lvl="3"/>
             <a:r>
-              <a:rPr lang="zh-TW" altLang="en-US" smtClean="0"/>
+              <a:rPr lang="zh-TW" altLang="en-US"/>
               <a:t>第四層</a:t>
             </a:r>
           </a:p>
           <a:p>
             <a:pPr lvl="4"/>
             <a:r>
-              <a:rPr lang="zh-TW" altLang="en-US" smtClean="0"/>
+              <a:rPr lang="zh-TW" altLang="en-US"/>
               <a:t>第五層</a:t>
             </a:r>
-            <a:endParaRPr lang="zh-TW" altLang="en-US"/>
           </a:p>
         </p:txBody>
       </p:sp>
@@ -762,7 +759,7 @@
           <a:p>
             <a:fld id="{29A84165-A907-429C-B491-89C4CAC65B52}" type="datetimeFigureOut">
               <a:rPr lang="zh-TW" altLang="en-US" smtClean="0"/>
-              <a:t>2019/7/9</a:t>
+              <a:t>2019/11/10</a:t>
             </a:fld>
             <a:endParaRPr lang="zh-TW" altLang="en-US"/>
           </a:p>
@@ -865,10 +862,9 @@
           </a:lstStyle>
           <a:p>
             <a:r>
-              <a:rPr lang="zh-TW" altLang="en-US" smtClean="0"/>
+              <a:rPr lang="zh-TW" altLang="en-US"/>
               <a:t>按一下以編輯母片標題樣式</a:t>
             </a:r>
-            <a:endParaRPr lang="zh-TW" altLang="en-US"/>
           </a:p>
         </p:txBody>
       </p:sp>
@@ -985,7 +981,7 @@
           <a:p>
             <a:pPr lvl="0"/>
             <a:r>
-              <a:rPr lang="zh-TW" altLang="en-US" smtClean="0"/>
+              <a:rPr lang="zh-TW" altLang="en-US"/>
               <a:t>編輯母片文字樣式</a:t>
             </a:r>
           </a:p>
@@ -1008,7 +1004,7 @@
           <a:p>
             <a:fld id="{29A84165-A907-429C-B491-89C4CAC65B52}" type="datetimeFigureOut">
               <a:rPr lang="zh-TW" altLang="en-US" smtClean="0"/>
-              <a:t>2019/7/9</a:t>
+              <a:t>2019/11/10</a:t>
             </a:fld>
             <a:endParaRPr lang="zh-TW" altLang="en-US"/>
           </a:p>
@@ -1102,10 +1098,9 @@
           <a:lstStyle/>
           <a:p>
             <a:r>
-              <a:rPr lang="zh-TW" altLang="en-US" smtClean="0"/>
+              <a:rPr lang="zh-TW" altLang="en-US"/>
               <a:t>按一下以編輯母片標題樣式</a:t>
             </a:r>
-            <a:endParaRPr lang="zh-TW" altLang="en-US"/>
           </a:p>
         </p:txBody>
       </p:sp>
@@ -1131,38 +1126,37 @@
           <a:p>
             <a:pPr lvl="0"/>
             <a:r>
-              <a:rPr lang="zh-TW" altLang="en-US" smtClean="0"/>
+              <a:rPr lang="zh-TW" altLang="en-US"/>
               <a:t>編輯母片文字樣式</a:t>
             </a:r>
           </a:p>
           <a:p>
             <a:pPr lvl="1"/>
             <a:r>
-              <a:rPr lang="zh-TW" altLang="en-US" smtClean="0"/>
+              <a:rPr lang="zh-TW" altLang="en-US"/>
               <a:t>第二層</a:t>
             </a:r>
           </a:p>
           <a:p>
             <a:pPr lvl="2"/>
             <a:r>
-              <a:rPr lang="zh-TW" altLang="en-US" smtClean="0"/>
+              <a:rPr lang="zh-TW" altLang="en-US"/>
               <a:t>第三層</a:t>
             </a:r>
           </a:p>
           <a:p>
             <a:pPr lvl="3"/>
             <a:r>
-              <a:rPr lang="zh-TW" altLang="en-US" smtClean="0"/>
+              <a:rPr lang="zh-TW" altLang="en-US"/>
               <a:t>第四層</a:t>
             </a:r>
           </a:p>
           <a:p>
             <a:pPr lvl="4"/>
             <a:r>
-              <a:rPr lang="zh-TW" altLang="en-US" smtClean="0"/>
+              <a:rPr lang="zh-TW" altLang="en-US"/>
               <a:t>第五層</a:t>
             </a:r>
-            <a:endParaRPr lang="zh-TW" altLang="en-US"/>
           </a:p>
         </p:txBody>
       </p:sp>
@@ -1188,38 +1182,37 @@
           <a:p>
             <a:pPr lvl="0"/>
             <a:r>
-              <a:rPr lang="zh-TW" altLang="en-US" smtClean="0"/>
+              <a:rPr lang="zh-TW" altLang="en-US"/>
               <a:t>編輯母片文字樣式</a:t>
             </a:r>
           </a:p>
           <a:p>
             <a:pPr lvl="1"/>
             <a:r>
-              <a:rPr lang="zh-TW" altLang="en-US" smtClean="0"/>
+              <a:rPr lang="zh-TW" altLang="en-US"/>
               <a:t>第二層</a:t>
             </a:r>
           </a:p>
           <a:p>
             <a:pPr lvl="2"/>
             <a:r>
-              <a:rPr lang="zh-TW" altLang="en-US" smtClean="0"/>
+              <a:rPr lang="zh-TW" altLang="en-US"/>
               <a:t>第三層</a:t>
             </a:r>
           </a:p>
           <a:p>
             <a:pPr lvl="3"/>
             <a:r>
-              <a:rPr lang="zh-TW" altLang="en-US" smtClean="0"/>
+              <a:rPr lang="zh-TW" altLang="en-US"/>
               <a:t>第四層</a:t>
             </a:r>
           </a:p>
           <a:p>
             <a:pPr lvl="4"/>
             <a:r>
-              <a:rPr lang="zh-TW" altLang="en-US" smtClean="0"/>
+              <a:rPr lang="zh-TW" altLang="en-US"/>
               <a:t>第五層</a:t>
             </a:r>
-            <a:endParaRPr lang="zh-TW" altLang="en-US"/>
           </a:p>
         </p:txBody>
       </p:sp>
@@ -1240,7 +1233,7 @@
           <a:p>
             <a:fld id="{29A84165-A907-429C-B491-89C4CAC65B52}" type="datetimeFigureOut">
               <a:rPr lang="zh-TW" altLang="en-US" smtClean="0"/>
-              <a:t>2019/7/9</a:t>
+              <a:t>2019/11/10</a:t>
             </a:fld>
             <a:endParaRPr lang="zh-TW" altLang="en-US"/>
           </a:p>
@@ -1339,10 +1332,9 @@
           <a:lstStyle/>
           <a:p>
             <a:r>
-              <a:rPr lang="zh-TW" altLang="en-US" smtClean="0"/>
+              <a:rPr lang="zh-TW" altLang="en-US"/>
               <a:t>按一下以編輯母片標題樣式</a:t>
             </a:r>
-            <a:endParaRPr lang="zh-TW" altLang="en-US"/>
           </a:p>
         </p:txBody>
       </p:sp>
@@ -1405,7 +1397,7 @@
           <a:p>
             <a:pPr lvl="0"/>
             <a:r>
-              <a:rPr lang="zh-TW" altLang="en-US" smtClean="0"/>
+              <a:rPr lang="zh-TW" altLang="en-US"/>
               <a:t>編輯母片文字樣式</a:t>
             </a:r>
           </a:p>
@@ -1433,38 +1425,37 @@
           <a:p>
             <a:pPr lvl="0"/>
             <a:r>
-              <a:rPr lang="zh-TW" altLang="en-US" smtClean="0"/>
+              <a:rPr lang="zh-TW" altLang="en-US"/>
               <a:t>編輯母片文字樣式</a:t>
             </a:r>
           </a:p>
           <a:p>
             <a:pPr lvl="1"/>
             <a:r>
-              <a:rPr lang="zh-TW" altLang="en-US" smtClean="0"/>
+              <a:rPr lang="zh-TW" altLang="en-US"/>
               <a:t>第二層</a:t>
             </a:r>
           </a:p>
           <a:p>
             <a:pPr lvl="2"/>
             <a:r>
-              <a:rPr lang="zh-TW" altLang="en-US" smtClean="0"/>
+              <a:rPr lang="zh-TW" altLang="en-US"/>
               <a:t>第三層</a:t>
             </a:r>
           </a:p>
           <a:p>
             <a:pPr lvl="3"/>
             <a:r>
-              <a:rPr lang="zh-TW" altLang="en-US" smtClean="0"/>
+              <a:rPr lang="zh-TW" altLang="en-US"/>
               <a:t>第四層</a:t>
             </a:r>
           </a:p>
           <a:p>
             <a:pPr lvl="4"/>
             <a:r>
-              <a:rPr lang="zh-TW" altLang="en-US" smtClean="0"/>
+              <a:rPr lang="zh-TW" altLang="en-US"/>
               <a:t>第五層</a:t>
             </a:r>
-            <a:endParaRPr lang="zh-TW" altLang="en-US"/>
           </a:p>
         </p:txBody>
       </p:sp>
@@ -1527,7 +1518,7 @@
           <a:p>
             <a:pPr lvl="0"/>
             <a:r>
-              <a:rPr lang="zh-TW" altLang="en-US" smtClean="0"/>
+              <a:rPr lang="zh-TW" altLang="en-US"/>
               <a:t>編輯母片文字樣式</a:t>
             </a:r>
           </a:p>
@@ -1555,38 +1546,37 @@
           <a:p>
             <a:pPr lvl="0"/>
             <a:r>
-              <a:rPr lang="zh-TW" altLang="en-US" smtClean="0"/>
+              <a:rPr lang="zh-TW" altLang="en-US"/>
               <a:t>編輯母片文字樣式</a:t>
             </a:r>
           </a:p>
           <a:p>
             <a:pPr lvl="1"/>
             <a:r>
-              <a:rPr lang="zh-TW" altLang="en-US" smtClean="0"/>
+              <a:rPr lang="zh-TW" altLang="en-US"/>
               <a:t>第二層</a:t>
             </a:r>
           </a:p>
           <a:p>
             <a:pPr lvl="2"/>
             <a:r>
-              <a:rPr lang="zh-TW" altLang="en-US" smtClean="0"/>
+              <a:rPr lang="zh-TW" altLang="en-US"/>
               <a:t>第三層</a:t>
             </a:r>
           </a:p>
           <a:p>
             <a:pPr lvl="3"/>
             <a:r>
-              <a:rPr lang="zh-TW" altLang="en-US" smtClean="0"/>
+              <a:rPr lang="zh-TW" altLang="en-US"/>
               <a:t>第四層</a:t>
             </a:r>
           </a:p>
           <a:p>
             <a:pPr lvl="4"/>
             <a:r>
-              <a:rPr lang="zh-TW" altLang="en-US" smtClean="0"/>
+              <a:rPr lang="zh-TW" altLang="en-US"/>
               <a:t>第五層</a:t>
             </a:r>
-            <a:endParaRPr lang="zh-TW" altLang="en-US"/>
           </a:p>
         </p:txBody>
       </p:sp>
@@ -1607,7 +1597,7 @@
           <a:p>
             <a:fld id="{29A84165-A907-429C-B491-89C4CAC65B52}" type="datetimeFigureOut">
               <a:rPr lang="zh-TW" altLang="en-US" smtClean="0"/>
-              <a:t>2019/7/9</a:t>
+              <a:t>2019/11/10</a:t>
             </a:fld>
             <a:endParaRPr lang="zh-TW" altLang="en-US"/>
           </a:p>
@@ -1701,10 +1691,9 @@
           <a:lstStyle/>
           <a:p>
             <a:r>
-              <a:rPr lang="zh-TW" altLang="en-US" smtClean="0"/>
+              <a:rPr lang="zh-TW" altLang="en-US"/>
               <a:t>按一下以編輯母片標題樣式</a:t>
             </a:r>
-            <a:endParaRPr lang="zh-TW" altLang="en-US"/>
           </a:p>
         </p:txBody>
       </p:sp>
@@ -1725,7 +1714,7 @@
           <a:p>
             <a:fld id="{29A84165-A907-429C-B491-89C4CAC65B52}" type="datetimeFigureOut">
               <a:rPr lang="zh-TW" altLang="en-US" smtClean="0"/>
-              <a:t>2019/7/9</a:t>
+              <a:t>2019/11/10</a:t>
             </a:fld>
             <a:endParaRPr lang="zh-TW" altLang="en-US"/>
           </a:p>
@@ -1820,7 +1809,7 @@
           <a:p>
             <a:fld id="{29A84165-A907-429C-B491-89C4CAC65B52}" type="datetimeFigureOut">
               <a:rPr lang="zh-TW" altLang="en-US" smtClean="0"/>
-              <a:t>2019/7/9</a:t>
+              <a:t>2019/11/10</a:t>
             </a:fld>
             <a:endParaRPr lang="zh-TW" altLang="en-US"/>
           </a:p>
@@ -1923,10 +1912,9 @@
           </a:lstStyle>
           <a:p>
             <a:r>
-              <a:rPr lang="zh-TW" altLang="en-US" smtClean="0"/>
+              <a:rPr lang="zh-TW" altLang="en-US"/>
               <a:t>按一下以編輯母片標題樣式</a:t>
             </a:r>
-            <a:endParaRPr lang="zh-TW" altLang="en-US"/>
           </a:p>
         </p:txBody>
       </p:sp>
@@ -1980,38 +1968,37 @@
           <a:p>
             <a:pPr lvl="0"/>
             <a:r>
-              <a:rPr lang="zh-TW" altLang="en-US" smtClean="0"/>
+              <a:rPr lang="zh-TW" altLang="en-US"/>
               <a:t>編輯母片文字樣式</a:t>
             </a:r>
           </a:p>
           <a:p>
             <a:pPr lvl="1"/>
             <a:r>
-              <a:rPr lang="zh-TW" altLang="en-US" smtClean="0"/>
+              <a:rPr lang="zh-TW" altLang="en-US"/>
               <a:t>第二層</a:t>
             </a:r>
           </a:p>
           <a:p>
             <a:pPr lvl="2"/>
             <a:r>
-              <a:rPr lang="zh-TW" altLang="en-US" smtClean="0"/>
+              <a:rPr lang="zh-TW" altLang="en-US"/>
               <a:t>第三層</a:t>
             </a:r>
           </a:p>
           <a:p>
             <a:pPr lvl="3"/>
             <a:r>
-              <a:rPr lang="zh-TW" altLang="en-US" smtClean="0"/>
+              <a:rPr lang="zh-TW" altLang="en-US"/>
               <a:t>第四層</a:t>
             </a:r>
           </a:p>
           <a:p>
             <a:pPr lvl="4"/>
             <a:r>
-              <a:rPr lang="zh-TW" altLang="en-US" smtClean="0"/>
+              <a:rPr lang="zh-TW" altLang="en-US"/>
               <a:t>第五層</a:t>
             </a:r>
-            <a:endParaRPr lang="zh-TW" altLang="en-US"/>
           </a:p>
         </p:txBody>
       </p:sp>
@@ -2074,7 +2061,7 @@
           <a:p>
             <a:pPr lvl="0"/>
             <a:r>
-              <a:rPr lang="zh-TW" altLang="en-US" smtClean="0"/>
+              <a:rPr lang="zh-TW" altLang="en-US"/>
               <a:t>編輯母片文字樣式</a:t>
             </a:r>
           </a:p>
@@ -2097,7 +2084,7 @@
           <a:p>
             <a:fld id="{29A84165-A907-429C-B491-89C4CAC65B52}" type="datetimeFigureOut">
               <a:rPr lang="zh-TW" altLang="en-US" smtClean="0"/>
-              <a:t>2019/7/9</a:t>
+              <a:t>2019/11/10</a:t>
             </a:fld>
             <a:endParaRPr lang="zh-TW" altLang="en-US"/>
           </a:p>
@@ -2200,10 +2187,9 @@
           </a:lstStyle>
           <a:p>
             <a:r>
-              <a:rPr lang="zh-TW" altLang="en-US" smtClean="0"/>
+              <a:rPr lang="zh-TW" altLang="en-US"/>
               <a:t>按一下以編輯母片標題樣式</a:t>
             </a:r>
-            <a:endParaRPr lang="zh-TW" altLang="en-US"/>
           </a:p>
         </p:txBody>
       </p:sp>
@@ -2327,7 +2313,7 @@
           <a:p>
             <a:pPr lvl="0"/>
             <a:r>
-              <a:rPr lang="zh-TW" altLang="en-US" smtClean="0"/>
+              <a:rPr lang="zh-TW" altLang="en-US"/>
               <a:t>編輯母片文字樣式</a:t>
             </a:r>
           </a:p>
@@ -2350,7 +2336,7 @@
           <a:p>
             <a:fld id="{29A84165-A907-429C-B491-89C4CAC65B52}" type="datetimeFigureOut">
               <a:rPr lang="zh-TW" altLang="en-US" smtClean="0"/>
-              <a:t>2019/7/9</a:t>
+              <a:t>2019/11/10</a:t>
             </a:fld>
             <a:endParaRPr lang="zh-TW" altLang="en-US"/>
           </a:p>
@@ -2459,10 +2445,9 @@
           <a:lstStyle/>
           <a:p>
             <a:r>
-              <a:rPr lang="zh-TW" altLang="en-US" smtClean="0"/>
+              <a:rPr lang="zh-TW" altLang="en-US"/>
               <a:t>按一下以編輯母片標題樣式</a:t>
             </a:r>
-            <a:endParaRPr lang="zh-TW" altLang="en-US"/>
           </a:p>
         </p:txBody>
       </p:sp>
@@ -2493,38 +2478,37 @@
           <a:p>
             <a:pPr lvl="0"/>
             <a:r>
-              <a:rPr lang="zh-TW" altLang="en-US" smtClean="0"/>
+              <a:rPr lang="zh-TW" altLang="en-US"/>
               <a:t>編輯母片文字樣式</a:t>
             </a:r>
           </a:p>
           <a:p>
             <a:pPr lvl="1"/>
             <a:r>
-              <a:rPr lang="zh-TW" altLang="en-US" smtClean="0"/>
+              <a:rPr lang="zh-TW" altLang="en-US"/>
               <a:t>第二層</a:t>
             </a:r>
           </a:p>
           <a:p>
             <a:pPr lvl="2"/>
             <a:r>
-              <a:rPr lang="zh-TW" altLang="en-US" smtClean="0"/>
+              <a:rPr lang="zh-TW" altLang="en-US"/>
               <a:t>第三層</a:t>
             </a:r>
           </a:p>
           <a:p>
             <a:pPr lvl="3"/>
             <a:r>
-              <a:rPr lang="zh-TW" altLang="en-US" smtClean="0"/>
+              <a:rPr lang="zh-TW" altLang="en-US"/>
               <a:t>第四層</a:t>
             </a:r>
           </a:p>
           <a:p>
             <a:pPr lvl="4"/>
             <a:r>
-              <a:rPr lang="zh-TW" altLang="en-US" smtClean="0"/>
+              <a:rPr lang="zh-TW" altLang="en-US"/>
               <a:t>第五層</a:t>
             </a:r>
-            <a:endParaRPr lang="zh-TW" altLang="en-US"/>
           </a:p>
         </p:txBody>
       </p:sp>
@@ -2563,7 +2547,7 @@
           <a:p>
             <a:fld id="{29A84165-A907-429C-B491-89C4CAC65B52}" type="datetimeFigureOut">
               <a:rPr lang="zh-TW" altLang="en-US" smtClean="0"/>
-              <a:t>2019/7/9</a:t>
+              <a:t>2019/11/10</a:t>
             </a:fld>
             <a:endParaRPr lang="zh-TW" altLang="en-US"/>
           </a:p>
@@ -2984,7 +2968,7 @@
           <a:lstStyle/>
           <a:p>
             <a:r>
-              <a:rPr lang="en-US" altLang="zh-TW" dirty="0" err="1" smtClean="0"/>
+              <a:rPr lang="en-US" altLang="zh-TW" dirty="0" err="1"/>
               <a:t>nlp</a:t>
             </a:r>
             <a:endParaRPr lang="zh-TW" altLang="en-US" dirty="0"/>
@@ -3056,23 +3040,23 @@
           <a:lstStyle/>
           <a:p>
             <a:r>
-              <a:rPr lang="en-US" altLang="zh-TW" dirty="0" smtClean="0"/>
+              <a:rPr lang="en-US" altLang="zh-TW" dirty="0"/>
               <a:t>POS tag for NLP</a:t>
             </a:r>
             <a:r>
-              <a:rPr lang="zh-TW" altLang="en-US" dirty="0" smtClean="0"/>
+              <a:rPr lang="zh-TW" altLang="en-US" dirty="0"/>
               <a:t>  </a:t>
             </a:r>
             <a:r>
-              <a:rPr lang="en-US" altLang="zh-TW" dirty="0" smtClean="0"/>
+              <a:rPr lang="en-US" altLang="zh-TW" dirty="0"/>
               <a:t>(</a:t>
             </a:r>
             <a:r>
-              <a:rPr lang="zh-TW" altLang="en-US" dirty="0" smtClean="0"/>
+              <a:rPr lang="zh-TW" altLang="en-US" dirty="0"/>
               <a:t>詞性標註</a:t>
             </a:r>
             <a:r>
-              <a:rPr lang="en-US" altLang="zh-TW" dirty="0" smtClean="0"/>
+              <a:rPr lang="en-US" altLang="zh-TW" dirty="0"/>
               <a:t>)</a:t>
             </a:r>
             <a:endParaRPr lang="zh-TW" altLang="en-US" dirty="0"/>
@@ -3098,11 +3082,11 @@
               <a:buNone/>
             </a:pPr>
             <a:r>
-              <a:rPr lang="en-US" altLang="zh-TW" dirty="0" smtClean="0"/>
+              <a:rPr lang="en-US" altLang="zh-TW" dirty="0"/>
               <a:t>What is the </a:t>
             </a:r>
             <a:r>
-              <a:rPr lang="en-US" altLang="zh-TW" dirty="0" smtClean="0">
+              <a:rPr lang="en-US" altLang="zh-TW" dirty="0">
                 <a:solidFill>
                   <a:srgbClr val="FF0000"/>
                 </a:solidFill>
@@ -3110,7 +3094,7 @@
               <a:t>answer</a:t>
             </a:r>
             <a:r>
-              <a:rPr lang="en-US" altLang="zh-TW" dirty="0" smtClean="0"/>
+              <a:rPr lang="en-US" altLang="zh-TW" dirty="0"/>
               <a:t> ?</a:t>
             </a:r>
           </a:p>
@@ -3120,26 +3104,21 @@
             </a:pPr>
             <a:r>
               <a:rPr lang="en-US" altLang="zh-TW" dirty="0"/>
-              <a:t>	</a:t>
-            </a:r>
-            <a:r>
-              <a:rPr lang="en-US" altLang="zh-TW" dirty="0" smtClean="0"/>
-              <a:t>           ( noun. )</a:t>
-            </a:r>
+              <a:t>	           ( noun. )</a:t>
+            </a:r>
+          </a:p>
+          <a:p>
+            <a:pPr marL="0" indent="0">
+              <a:buNone/>
+            </a:pPr>
             <a:endParaRPr lang="en-US" altLang="zh-TW" dirty="0"/>
           </a:p>
           <a:p>
             <a:pPr marL="0" indent="0">
               <a:buNone/>
             </a:pPr>
-            <a:endParaRPr lang="en-US" altLang="zh-TW" dirty="0" smtClean="0"/>
-          </a:p>
-          <a:p>
-            <a:pPr marL="0" indent="0">
-              <a:buNone/>
-            </a:pPr>
-            <a:r>
-              <a:rPr lang="en-US" altLang="zh-TW" dirty="0" smtClean="0">
+            <a:r>
+              <a:rPr lang="en-US" altLang="zh-TW" dirty="0">
                 <a:solidFill>
                   <a:srgbClr val="FF0000"/>
                 </a:solidFill>
@@ -3147,16 +3126,21 @@
               <a:t>Answer</a:t>
             </a:r>
             <a:r>
-              <a:rPr lang="en-US" altLang="zh-TW" dirty="0" smtClean="0"/>
-              <a:t> me ! </a:t>
-            </a:r>
+              <a:rPr lang="en-US" altLang="zh-TW" dirty="0"/>
+              <a:t> me </a:t>
+            </a:r>
+            <a:r>
+              <a:rPr lang="en-US" altLang="zh-TW"/>
+              <a:t>!     </a:t>
+            </a:r>
+            <a:endParaRPr lang="en-US" altLang="zh-TW" dirty="0"/>
           </a:p>
           <a:p>
             <a:pPr marL="0" indent="0">
               <a:buNone/>
             </a:pPr>
             <a:r>
-              <a:rPr lang="en-US" altLang="zh-TW" dirty="0" smtClean="0"/>
+              <a:rPr lang="en-US" altLang="zh-TW" dirty="0"/>
               <a:t>(Verb. )</a:t>
             </a:r>
           </a:p>
@@ -3164,14 +3148,14 @@
             <a:pPr marL="0" indent="0">
               <a:buNone/>
             </a:pPr>
-            <a:endParaRPr lang="en-US" altLang="zh-TW" dirty="0" smtClean="0"/>
+            <a:endParaRPr lang="en-US" altLang="zh-TW" dirty="0"/>
           </a:p>
           <a:p>
             <a:pPr marL="0" indent="0">
               <a:buNone/>
             </a:pPr>
             <a:r>
-              <a:rPr lang="en-US" altLang="zh-TW" dirty="0" smtClean="0"/>
+              <a:rPr lang="en-US" altLang="zh-TW" dirty="0"/>
               <a:t>By giving the “answer ” a POS tag can help for the supervised training.</a:t>
             </a:r>
           </a:p>
@@ -3223,19 +3207,19 @@
           <a:lstStyle/>
           <a:p>
             <a:r>
-              <a:rPr lang="en-US" altLang="zh-TW" dirty="0" err="1" smtClean="0"/>
+              <a:rPr lang="en-US" altLang="zh-TW" dirty="0" err="1"/>
               <a:t>Lemmatizaton</a:t>
             </a:r>
             <a:r>
-              <a:rPr lang="en-US" altLang="zh-TW" dirty="0" smtClean="0"/>
+              <a:rPr lang="en-US" altLang="zh-TW" dirty="0"/>
               <a:t> (</a:t>
             </a:r>
             <a:r>
-              <a:rPr lang="zh-TW" altLang="en-US" dirty="0" smtClean="0"/>
+              <a:rPr lang="zh-TW" altLang="en-US" dirty="0"/>
               <a:t>詞性還原</a:t>
             </a:r>
             <a:r>
-              <a:rPr lang="en-US" altLang="zh-TW" dirty="0" smtClean="0"/>
+              <a:rPr lang="en-US" altLang="zh-TW" dirty="0"/>
               <a:t>)</a:t>
             </a:r>
             <a:endParaRPr lang="zh-TW" altLang="en-US" dirty="0"/>
@@ -3260,11 +3244,11 @@
           <a:lstStyle/>
           <a:p>
             <a:r>
-              <a:rPr lang="en-US" altLang="zh-TW" dirty="0" smtClean="0"/>
+              <a:rPr lang="en-US" altLang="zh-TW" dirty="0"/>
               <a:t>Cars , noun  </a:t>
             </a:r>
             <a:r>
-              <a:rPr lang="en-US" altLang="zh-TW" dirty="0" smtClean="0">
+              <a:rPr lang="en-US" altLang="zh-TW" dirty="0">
                 <a:sym typeface="Wingdings" panose="05000000000000000000" pitchFamily="2" charset="2"/>
               </a:rPr>
               <a:t> car</a:t>
@@ -3272,7 +3256,7 @@
           </a:p>
           <a:p>
             <a:r>
-              <a:rPr lang="en-US" altLang="zh-TW" dirty="0" smtClean="0">
+              <a:rPr lang="en-US" altLang="zh-TW" dirty="0">
                 <a:sym typeface="Wingdings" panose="05000000000000000000" pitchFamily="2" charset="2"/>
               </a:rPr>
               <a:t>Running , verb  run </a:t>
@@ -3280,25 +3264,25 @@
           </a:p>
           <a:p>
             <a:r>
-              <a:rPr lang="en-US" altLang="zh-TW" dirty="0" smtClean="0">
+              <a:rPr lang="en-US" altLang="zh-TW" dirty="0">
                 <a:sym typeface="Wingdings" panose="05000000000000000000" pitchFamily="2" charset="2"/>
               </a:rPr>
               <a:t>Saddest , </a:t>
             </a:r>
             <a:r>
-              <a:rPr lang="en-US" altLang="zh-TW" dirty="0" err="1" smtClean="0">
+              <a:rPr lang="en-US" altLang="zh-TW" dirty="0" err="1">
                 <a:sym typeface="Wingdings" panose="05000000000000000000" pitchFamily="2" charset="2"/>
               </a:rPr>
               <a:t>adj</a:t>
             </a:r>
             <a:r>
-              <a:rPr lang="en-US" altLang="zh-TW" dirty="0" smtClean="0">
+              <a:rPr lang="en-US" altLang="zh-TW" dirty="0">
                 <a:sym typeface="Wingdings" panose="05000000000000000000" pitchFamily="2" charset="2"/>
               </a:rPr>
               <a:t>  sad </a:t>
             </a:r>
             <a:r>
-              <a:rPr lang="en-US" altLang="zh-TW" dirty="0" smtClean="0"/>
+              <a:rPr lang="en-US" altLang="zh-TW" dirty="0"/>
               <a:t> </a:t>
             </a:r>
           </a:p>
@@ -3310,15 +3294,15 @@
               <a:buNone/>
             </a:pPr>
             <a:r>
-              <a:rPr lang="en-US" altLang="zh-TW" dirty="0" smtClean="0"/>
+              <a:rPr lang="en-US" altLang="zh-TW" dirty="0"/>
               <a:t>Example of </a:t>
             </a:r>
             <a:r>
-              <a:rPr lang="en-US" altLang="zh-TW" dirty="0" err="1" smtClean="0"/>
+              <a:rPr lang="en-US" altLang="zh-TW" dirty="0" err="1"/>
               <a:t>usuage</a:t>
             </a:r>
             <a:r>
-              <a:rPr lang="en-US" altLang="zh-TW" dirty="0" smtClean="0"/>
+              <a:rPr lang="en-US" altLang="zh-TW" dirty="0"/>
               <a:t> :</a:t>
             </a:r>
           </a:p>
@@ -3331,7 +3315,7 @@
               <a:t> </a:t>
             </a:r>
             <a:r>
-              <a:rPr lang="en-US" altLang="zh-TW" dirty="0" smtClean="0">
+              <a:rPr lang="en-US" altLang="zh-TW" dirty="0">
                 <a:solidFill>
                   <a:schemeClr val="accent1"/>
                 </a:solidFill>
@@ -3339,19 +3323,19 @@
               <a:t>from</a:t>
             </a:r>
             <a:r>
-              <a:rPr lang="en-US" altLang="zh-TW" dirty="0" smtClean="0"/>
+              <a:rPr lang="en-US" altLang="zh-TW" dirty="0"/>
               <a:t> </a:t>
             </a:r>
             <a:r>
-              <a:rPr lang="en-US" altLang="zh-TW" dirty="0" err="1" smtClean="0"/>
+              <a:rPr lang="en-US" altLang="zh-TW" dirty="0" err="1"/>
               <a:t>nltk.stem</a:t>
             </a:r>
             <a:r>
-              <a:rPr lang="en-US" altLang="zh-TW" dirty="0" smtClean="0"/>
+              <a:rPr lang="en-US" altLang="zh-TW" dirty="0"/>
               <a:t> </a:t>
             </a:r>
             <a:r>
-              <a:rPr lang="en-US" altLang="zh-TW" dirty="0" smtClean="0">
+              <a:rPr lang="en-US" altLang="zh-TW" dirty="0">
                 <a:solidFill>
                   <a:schemeClr val="accent1"/>
                 </a:solidFill>
@@ -3359,37 +3343,37 @@
               <a:t>import</a:t>
             </a:r>
             <a:r>
-              <a:rPr lang="en-US" altLang="zh-TW" dirty="0" smtClean="0"/>
+              <a:rPr lang="en-US" altLang="zh-TW" dirty="0"/>
               <a:t> </a:t>
             </a:r>
             <a:r>
-              <a:rPr lang="en-US" altLang="zh-TW" dirty="0" err="1" smtClean="0"/>
+              <a:rPr lang="en-US" altLang="zh-TW" dirty="0" err="1"/>
               <a:t>WordNetLemmatizer</a:t>
             </a:r>
-            <a:endParaRPr lang="en-US" altLang="zh-TW" dirty="0" smtClean="0"/>
+            <a:endParaRPr lang="en-US" altLang="zh-TW" dirty="0"/>
           </a:p>
           <a:p>
             <a:pPr marL="0" indent="0">
               <a:buNone/>
             </a:pPr>
             <a:r>
-              <a:rPr lang="en-US" altLang="zh-TW" dirty="0" smtClean="0"/>
+              <a:rPr lang="en-US" altLang="zh-TW" dirty="0"/>
               <a:t> </a:t>
             </a:r>
             <a:r>
-              <a:rPr lang="en-US" altLang="zh-TW" dirty="0" err="1" smtClean="0"/>
+              <a:rPr lang="en-US" altLang="zh-TW" dirty="0" err="1"/>
               <a:t>wnl</a:t>
             </a:r>
             <a:r>
-              <a:rPr lang="en-US" altLang="zh-TW" dirty="0" smtClean="0"/>
+              <a:rPr lang="en-US" altLang="zh-TW" dirty="0"/>
               <a:t> = </a:t>
             </a:r>
             <a:r>
-              <a:rPr lang="en-US" altLang="zh-TW" dirty="0" err="1" smtClean="0"/>
+              <a:rPr lang="en-US" altLang="zh-TW" dirty="0" err="1"/>
               <a:t>WordNetLemmatizer</a:t>
             </a:r>
             <a:r>
-              <a:rPr lang="en-US" altLang="zh-TW" dirty="0" smtClean="0"/>
+              <a:rPr lang="en-US" altLang="zh-TW" dirty="0"/>
               <a:t>()</a:t>
             </a:r>
           </a:p>
@@ -3398,15 +3382,15 @@
               <a:buNone/>
             </a:pPr>
             <a:r>
-              <a:rPr lang="en-US" altLang="zh-TW" dirty="0" smtClean="0"/>
+              <a:rPr lang="en-US" altLang="zh-TW" dirty="0"/>
               <a:t> print(</a:t>
             </a:r>
             <a:r>
-              <a:rPr lang="en-US" altLang="zh-TW" dirty="0" err="1" smtClean="0"/>
+              <a:rPr lang="en-US" altLang="zh-TW" dirty="0" err="1"/>
               <a:t>wnl.lemmatize</a:t>
             </a:r>
             <a:r>
-              <a:rPr lang="en-US" altLang="zh-TW" dirty="0" smtClean="0"/>
+              <a:rPr lang="en-US" altLang="zh-TW" dirty="0"/>
               <a:t>('cars', 'n'))</a:t>
             </a:r>
           </a:p>
@@ -3458,7 +3442,7 @@
           <a:lstStyle/>
           <a:p>
             <a:r>
-              <a:rPr lang="en-US" altLang="zh-TW" dirty="0" smtClean="0"/>
+              <a:rPr lang="en-US" altLang="zh-TW" dirty="0"/>
               <a:t>Text preprocess techniques </a:t>
             </a:r>
             <a:endParaRPr lang="zh-TW" altLang="en-US" dirty="0"/>
@@ -3481,45 +3465,45 @@
           <a:lstStyle/>
           <a:p>
             <a:r>
-              <a:rPr lang="en-US" altLang="zh-TW" dirty="0" smtClean="0"/>
+              <a:rPr lang="en-US" altLang="zh-TW" dirty="0"/>
               <a:t>Converting words into lower case </a:t>
             </a:r>
           </a:p>
           <a:p>
             <a:r>
-              <a:rPr lang="en-US" altLang="zh-TW" dirty="0" smtClean="0"/>
+              <a:rPr lang="en-US" altLang="zh-TW" dirty="0"/>
               <a:t>Removing leading and trailing whitespaces </a:t>
             </a:r>
           </a:p>
           <a:p>
             <a:r>
-              <a:rPr lang="en-US" altLang="zh-TW" dirty="0" smtClean="0"/>
+              <a:rPr lang="en-US" altLang="zh-TW" dirty="0"/>
               <a:t>Removing punctuation </a:t>
             </a:r>
           </a:p>
           <a:p>
             <a:r>
-              <a:rPr lang="en-US" altLang="zh-TW" dirty="0" smtClean="0"/>
+              <a:rPr lang="en-US" altLang="zh-TW" dirty="0"/>
               <a:t>Removing stop words </a:t>
             </a:r>
           </a:p>
           <a:p>
             <a:r>
-              <a:rPr lang="en-US" altLang="zh-TW" dirty="0" smtClean="0"/>
+              <a:rPr lang="en-US" altLang="zh-TW" dirty="0"/>
               <a:t>Expanding contractions</a:t>
             </a:r>
           </a:p>
           <a:p>
             <a:r>
-              <a:rPr lang="en-US" altLang="zh-TW" dirty="0" smtClean="0"/>
+              <a:rPr lang="en-US" altLang="zh-TW" dirty="0"/>
               <a:t>Removing special characters (</a:t>
             </a:r>
             <a:r>
-              <a:rPr lang="en-US" altLang="zh-TW" dirty="0" err="1" smtClean="0"/>
+              <a:rPr lang="en-US" altLang="zh-TW" dirty="0" err="1"/>
               <a:t>numbers,emoji</a:t>
             </a:r>
             <a:r>
-              <a:rPr lang="en-US" altLang="zh-TW" dirty="0" smtClean="0"/>
+              <a:rPr lang="en-US" altLang="zh-TW" dirty="0"/>
               <a:t>) </a:t>
             </a:r>
           </a:p>
@@ -3571,7 +3555,7 @@
           <a:lstStyle/>
           <a:p>
             <a:r>
-              <a:rPr lang="en-US" altLang="zh-TW" dirty="0" smtClean="0"/>
+              <a:rPr lang="en-US" altLang="zh-TW" dirty="0"/>
               <a:t>Tokenize using spacy</a:t>
             </a:r>
             <a:endParaRPr lang="zh-TW" altLang="en-US" dirty="0"/>
@@ -3598,11 +3582,7 @@
             </a:pPr>
             <a:r>
               <a:rPr lang="en-US" altLang="zh-TW" dirty="0"/>
-              <a:t>i</a:t>
-            </a:r>
-            <a:r>
-              <a:rPr lang="en-US" altLang="zh-TW" dirty="0" smtClean="0"/>
-              <a:t>mport spacy</a:t>
+              <a:t>import spacy</a:t>
             </a:r>
           </a:p>
           <a:p>
@@ -3610,27 +3590,27 @@
               <a:buNone/>
             </a:pPr>
             <a:r>
-              <a:rPr lang="en-US" altLang="zh-TW" dirty="0" err="1" smtClean="0"/>
+              <a:rPr lang="en-US" altLang="zh-TW" dirty="0" err="1"/>
               <a:t>nlp</a:t>
             </a:r>
             <a:r>
-              <a:rPr lang="en-US" altLang="zh-TW" dirty="0" smtClean="0"/>
+              <a:rPr lang="en-US" altLang="zh-TW" dirty="0"/>
               <a:t> = </a:t>
             </a:r>
             <a:r>
-              <a:rPr lang="en-US" altLang="zh-TW" dirty="0" err="1" smtClean="0"/>
+              <a:rPr lang="en-US" altLang="zh-TW" dirty="0" err="1"/>
               <a:t>spacy.load</a:t>
             </a:r>
             <a:r>
-              <a:rPr lang="en-US" altLang="zh-TW" dirty="0" smtClean="0"/>
+              <a:rPr lang="en-US" altLang="zh-TW" dirty="0"/>
               <a:t> (‘</a:t>
             </a:r>
             <a:r>
-              <a:rPr lang="en-US" altLang="zh-TW" dirty="0" err="1" smtClean="0"/>
+              <a:rPr lang="en-US" altLang="zh-TW" dirty="0" err="1"/>
               <a:t>en_core_web_sm</a:t>
             </a:r>
             <a:r>
-              <a:rPr lang="en-US" altLang="zh-TW" dirty="0" smtClean="0"/>
+              <a:rPr lang="en-US" altLang="zh-TW" dirty="0"/>
               <a:t>’)</a:t>
             </a:r>
           </a:p>
@@ -3639,7 +3619,7 @@
               <a:buNone/>
             </a:pPr>
             <a:r>
-              <a:rPr lang="en-US" altLang="zh-TW" dirty="0" smtClean="0"/>
+              <a:rPr lang="en-US" altLang="zh-TW" dirty="0"/>
               <a:t>string = “hello! I don’t know what I’m doing here.”</a:t>
             </a:r>
           </a:p>
@@ -3649,18 +3629,14 @@
             </a:pPr>
             <a:r>
               <a:rPr lang="en-US" altLang="zh-TW" dirty="0"/>
-              <a:t>d</a:t>
-            </a:r>
-            <a:r>
-              <a:rPr lang="en-US" altLang="zh-TW" dirty="0" smtClean="0"/>
-              <a:t>oc = </a:t>
-            </a:r>
-            <a:r>
-              <a:rPr lang="en-US" altLang="zh-TW" dirty="0" err="1" smtClean="0"/>
+              <a:t>doc = </a:t>
+            </a:r>
+            <a:r>
+              <a:rPr lang="en-US" altLang="zh-TW" dirty="0" err="1"/>
               <a:t>nlp</a:t>
             </a:r>
             <a:r>
-              <a:rPr lang="en-US" altLang="zh-TW" dirty="0" smtClean="0"/>
+              <a:rPr lang="en-US" altLang="zh-TW" dirty="0"/>
               <a:t>(string )</a:t>
             </a:r>
           </a:p>
@@ -3670,18 +3646,14 @@
             </a:pPr>
             <a:r>
               <a:rPr lang="en-US" altLang="zh-TW" dirty="0"/>
-              <a:t>t</a:t>
-            </a:r>
-            <a:r>
-              <a:rPr lang="en-US" altLang="zh-TW" dirty="0" smtClean="0"/>
-              <a:t>okens = [</a:t>
-            </a:r>
-            <a:r>
-              <a:rPr lang="en-US" altLang="zh-TW" dirty="0" err="1" smtClean="0"/>
+              <a:t>tokens = [</a:t>
+            </a:r>
+            <a:r>
+              <a:rPr lang="en-US" altLang="zh-TW" dirty="0" err="1"/>
               <a:t>token.text</a:t>
             </a:r>
             <a:r>
-              <a:rPr lang="en-US" altLang="zh-TW" dirty="0" smtClean="0"/>
+              <a:rPr lang="en-US" altLang="zh-TW" dirty="0"/>
               <a:t> for token in doc]</a:t>
             </a:r>
           </a:p>
@@ -3690,7 +3662,7 @@
               <a:buNone/>
             </a:pPr>
             <a:r>
-              <a:rPr lang="en-US" altLang="zh-TW" dirty="0" smtClean="0"/>
+              <a:rPr lang="en-US" altLang="zh-TW" dirty="0"/>
               <a:t>print(tokens)</a:t>
             </a:r>
           </a:p>
@@ -3699,15 +3671,15 @@
               <a:buNone/>
             </a:pPr>
             <a:r>
-              <a:rPr lang="en-US" altLang="zh-TW" dirty="0" smtClean="0"/>
+              <a:rPr lang="en-US" altLang="zh-TW" dirty="0"/>
               <a:t>[‘Hello’, ’!’ , ‘do’, ‘</a:t>
             </a:r>
             <a:r>
-              <a:rPr lang="en-US" altLang="zh-TW" dirty="0" err="1" smtClean="0"/>
+              <a:rPr lang="en-US" altLang="zh-TW" dirty="0" err="1"/>
               <a:t>n’t</a:t>
             </a:r>
             <a:r>
-              <a:rPr lang="en-US" altLang="zh-TW" dirty="0" smtClean="0"/>
+              <a:rPr lang="en-US" altLang="zh-TW" dirty="0"/>
               <a:t>’, ‘know’, ‘what’, ‘I’, “’m”, ‘doing’, ‘here’ , ‘.’] </a:t>
             </a:r>
           </a:p>

--- a/nlp.pptx
+++ b/nlp.pptx
@@ -2990,6 +2990,10 @@
           <a:bodyPr/>
           <a:lstStyle/>
           <a:p>
+            <a:r>
+              <a:rPr lang="en-US" altLang="zh-TW"/>
+              <a:t>   </a:t>
+            </a:r>
             <a:endParaRPr lang="zh-TW" altLang="en-US"/>
           </a:p>
         </p:txBody>
